--- a/Predictive policing.pptx
+++ b/Predictive policing.pptx
@@ -291,7 +291,7 @@
             <a:fld id="{87DE6118-2437-4B30-8E3C-4D2BE6020583}" type="datetimeFigureOut">
               <a:rPr lang="en-US" dirty="0"/>
               <a:pPr/>
-              <a:t>12/17/23</a:t>
+              <a:t>12/18/23</a:t>
             </a:fld>
             <a:endParaRPr lang="en-US" dirty="0"/>
           </a:p>
@@ -617,7 +617,7 @@
           <a:p>
             <a:fld id="{87DE6118-2437-4B30-8E3C-4D2BE6020583}" type="datetimeFigureOut">
               <a:rPr lang="en-US" dirty="0"/>
-              <a:t>12/17/23</a:t>
+              <a:t>12/18/23</a:t>
             </a:fld>
             <a:endParaRPr lang="en-US" dirty="0"/>
           </a:p>
@@ -792,7 +792,7 @@
           <a:p>
             <a:fld id="{87DE6118-2437-4B30-8E3C-4D2BE6020583}" type="datetimeFigureOut">
               <a:rPr lang="en-US" dirty="0"/>
-              <a:t>12/17/23</a:t>
+              <a:t>12/18/23</a:t>
             </a:fld>
             <a:endParaRPr lang="en-US" dirty="0"/>
           </a:p>
@@ -957,7 +957,7 @@
           <a:p>
             <a:fld id="{87DE6118-2437-4B30-8E3C-4D2BE6020583}" type="datetimeFigureOut">
               <a:rPr lang="en-US" dirty="0"/>
-              <a:t>12/17/23</a:t>
+              <a:t>12/18/23</a:t>
             </a:fld>
             <a:endParaRPr lang="en-US" dirty="0"/>
           </a:p>
@@ -1230,7 +1230,7 @@
             <a:fld id="{87DE6118-2437-4B30-8E3C-4D2BE6020583}" type="datetimeFigureOut">
               <a:rPr lang="en-US" dirty="0"/>
               <a:pPr/>
-              <a:t>12/17/23</a:t>
+              <a:t>12/18/23</a:t>
             </a:fld>
             <a:endParaRPr lang="en-US" dirty="0"/>
           </a:p>
@@ -1620,7 +1620,7 @@
           <a:p>
             <a:fld id="{87DE6118-2437-4B30-8E3C-4D2BE6020583}" type="datetimeFigureOut">
               <a:rPr lang="en-US" dirty="0"/>
-              <a:t>12/17/23</a:t>
+              <a:t>12/18/23</a:t>
             </a:fld>
             <a:endParaRPr lang="en-US" dirty="0"/>
           </a:p>
@@ -2092,7 +2092,7 @@
           <a:p>
             <a:fld id="{87DE6118-2437-4B30-8E3C-4D2BE6020583}" type="datetimeFigureOut">
               <a:rPr lang="en-US" dirty="0"/>
-              <a:t>12/17/23</a:t>
+              <a:t>12/18/23</a:t>
             </a:fld>
             <a:endParaRPr lang="en-US" dirty="0"/>
           </a:p>
@@ -2205,7 +2205,7 @@
           <a:p>
             <a:fld id="{87DE6118-2437-4B30-8E3C-4D2BE6020583}" type="datetimeFigureOut">
               <a:rPr lang="en-US" dirty="0"/>
-              <a:t>12/17/23</a:t>
+              <a:t>12/18/23</a:t>
             </a:fld>
             <a:endParaRPr lang="en-US" dirty="0"/>
           </a:p>
@@ -2295,7 +2295,7 @@
           <a:p>
             <a:fld id="{87DE6118-2437-4B30-8E3C-4D2BE6020583}" type="datetimeFigureOut">
               <a:rPr lang="en-US" dirty="0"/>
-              <a:t>12/17/23</a:t>
+              <a:t>12/18/23</a:t>
             </a:fld>
             <a:endParaRPr lang="en-US" dirty="0"/>
           </a:p>
@@ -2637,7 +2637,7 @@
             <a:fld id="{87DE6118-2437-4B30-8E3C-4D2BE6020583}" type="datetimeFigureOut">
               <a:rPr lang="en-US" dirty="0"/>
               <a:pPr/>
-              <a:t>12/17/23</a:t>
+              <a:t>12/18/23</a:t>
             </a:fld>
             <a:endParaRPr lang="en-US" dirty="0"/>
           </a:p>
@@ -3022,7 +3022,7 @@
             <a:fld id="{87DE6118-2437-4B30-8E3C-4D2BE6020583}" type="datetimeFigureOut">
               <a:rPr lang="en-US" dirty="0"/>
               <a:pPr/>
-              <a:t>12/17/23</a:t>
+              <a:t>12/18/23</a:t>
             </a:fld>
             <a:endParaRPr lang="en-US" dirty="0"/>
           </a:p>
@@ -3297,7 +3297,7 @@
             <a:fld id="{87DE6118-2437-4B30-8E3C-4D2BE6020583}" type="datetimeFigureOut">
               <a:rPr lang="en-US" dirty="0"/>
               <a:pPr/>
-              <a:t>12/17/23</a:t>
+              <a:t>12/18/23</a:t>
             </a:fld>
             <a:endParaRPr lang="en-US" dirty="0"/>
           </a:p>
@@ -3957,7 +3957,7 @@
           <a:p>
             <a:r>
               <a:rPr lang="en-US" dirty="0"/>
-              <a:t>Is predictive policing more effective in some locations more than it is in others?</a:t>
+              <a:t>Is predictive policing more effective in some locations than it is in others?</a:t>
             </a:r>
           </a:p>
         </p:txBody>
